--- a/final_report.pptx
+++ b/final_report.pptx
@@ -3762,7 +3762,7 @@
           <a:p>
             <a:fld id="{E86D8963-CFCD-4740-AF60-049850373CDF}" type="datetimeFigureOut">
               <a:rPr lang="zh-CN" altLang="en-US" smtClean="0"/>
-              <a:t>2024/7/5</a:t>
+              <a:t>2024/7/6</a:t>
             </a:fld>
             <a:endParaRPr lang="zh-CN" altLang="en-US"/>
           </a:p>
@@ -6820,7 +6820,7 @@
           <a:p>
             <a:fld id="{6489D9C7-5DC6-4263-87FF-7C99F6FB63C3}" type="datetime1">
               <a:rPr lang="zh-CN" altLang="en-US" smtClean="0"/>
-              <a:t>2024/7/5</a:t>
+              <a:t>2024/7/6</a:t>
             </a:fld>
             <a:endParaRPr lang="zh-CN" altLang="en-US"/>
           </a:p>
@@ -7699,7 +7699,7 @@
           <a:p>
             <a:fld id="{6489D9C7-5DC6-4263-87FF-7C99F6FB63C3}" type="datetime1">
               <a:rPr lang="zh-CN" altLang="en-US" smtClean="0"/>
-              <a:t>2024/7/5</a:t>
+              <a:t>2024/7/6</a:t>
             </a:fld>
             <a:endParaRPr lang="zh-CN" altLang="en-US" dirty="0"/>
           </a:p>
@@ -8156,7 +8156,7 @@
           <a:p>
             <a:fld id="{6489D9C7-5DC6-4263-87FF-7C99F6FB63C3}" type="datetime1">
               <a:rPr lang="zh-CN" altLang="en-US" smtClean="0"/>
-              <a:t>2024/7/5</a:t>
+              <a:t>2024/7/6</a:t>
             </a:fld>
             <a:endParaRPr lang="zh-CN" altLang="en-US" dirty="0"/>
           </a:p>
@@ -8307,7 +8307,7 @@
           <a:p>
             <a:fld id="{6489D9C7-5DC6-4263-87FF-7C99F6FB63C3}" type="datetime1">
               <a:rPr lang="zh-CN" altLang="en-US" smtClean="0"/>
-              <a:t>2024/7/5</a:t>
+              <a:t>2024/7/6</a:t>
             </a:fld>
             <a:endParaRPr lang="zh-CN" altLang="en-US"/>
           </a:p>
@@ -8637,7 +8637,7 @@
           <a:p>
             <a:fld id="{6489D9C7-5DC6-4263-87FF-7C99F6FB63C3}" type="datetime1">
               <a:rPr lang="zh-CN" altLang="en-US" smtClean="0"/>
-              <a:t>2024/7/5</a:t>
+              <a:t>2024/7/6</a:t>
             </a:fld>
             <a:endParaRPr lang="zh-CN" altLang="en-US" dirty="0"/>
           </a:p>
@@ -8874,7 +8874,7 @@
           <a:p>
             <a:fld id="{6489D9C7-5DC6-4263-87FF-7C99F6FB63C3}" type="datetime1">
               <a:rPr lang="zh-CN" altLang="en-US" smtClean="0"/>
-              <a:t>2024/7/5</a:t>
+              <a:t>2024/7/6</a:t>
             </a:fld>
             <a:endParaRPr lang="zh-CN" altLang="en-US" dirty="0"/>
           </a:p>
@@ -9111,7 +9111,7 @@
           <a:p>
             <a:fld id="{6489D9C7-5DC6-4263-87FF-7C99F6FB63C3}" type="datetime1">
               <a:rPr lang="zh-CN" altLang="en-US" smtClean="0"/>
-              <a:t>2024/7/5</a:t>
+              <a:t>2024/7/6</a:t>
             </a:fld>
             <a:endParaRPr lang="zh-CN" altLang="en-US"/>
           </a:p>
@@ -12291,7 +12291,7 @@
           <a:p>
             <a:r>
               <a:rPr lang="en-US" altLang="zh-CN" dirty="0"/>
-              <a:t>8.43 requests/s,3486.57 tokens/s</a:t>
+              <a:t>6.89 requests/s,3150.71 tokens/s</a:t>
             </a:r>
             <a:endParaRPr lang="zh-CN" altLang="en-US" dirty="0"/>
           </a:p>
@@ -12370,42 +12370,6 @@
       </p:pic>
       <p:pic>
         <p:nvPicPr>
-          <p:cNvPr id="14" name="图片 13">
-            <a:extLst>
-              <a:ext uri="{FF2B5EF4-FFF2-40B4-BE49-F238E27FC236}">
-                <a16:creationId xmlns:a16="http://schemas.microsoft.com/office/drawing/2014/main" id="{B25E6B1F-4ACB-CF7A-7E83-C2BCE74EE7F0}"/>
-              </a:ext>
-            </a:extLst>
-          </p:cNvPr>
-          <p:cNvPicPr>
-            <a:picLocks noChangeAspect="1"/>
-          </p:cNvPicPr>
-          <p:nvPr/>
-        </p:nvPicPr>
-        <p:blipFill>
-          <a:blip r:embed="rId4">
-            <a:extLst>
-              <a:ext uri="{28A0092B-C50C-407E-A947-70E740481C1C}">
-                <a14:useLocalDpi xmlns:a14="http://schemas.microsoft.com/office/drawing/2010/main" val="0"/>
-              </a:ext>
-            </a:extLst>
-          </a:blip>
-          <a:stretch>
-            <a:fillRect/>
-          </a:stretch>
-        </p:blipFill>
-        <p:spPr>
-          <a:xfrm>
-            <a:off x="0" y="1799120"/>
-            <a:ext cx="12192000" cy="580283"/>
-          </a:xfrm>
-          <a:prstGeom prst="rect">
-            <a:avLst/>
-          </a:prstGeom>
-        </p:spPr>
-      </p:pic>
-      <p:pic>
-        <p:nvPicPr>
           <p:cNvPr id="17" name="图片 16">
             <a:extLst>
               <a:ext uri="{FF2B5EF4-FFF2-40B4-BE49-F238E27FC236}">
@@ -12419,7 +12383,7 @@
           <p:nvPr/>
         </p:nvPicPr>
         <p:blipFill>
-          <a:blip r:embed="rId5">
+          <a:blip r:embed="rId4">
             <a:extLst>
               <a:ext uri="{28A0092B-C50C-407E-A947-70E740481C1C}">
                 <a14:useLocalDpi xmlns:a14="http://schemas.microsoft.com/office/drawing/2010/main" val="0"/>
@@ -12455,7 +12419,7 @@
           <p:nvPr/>
         </p:nvPicPr>
         <p:blipFill>
-          <a:blip r:embed="rId6">
+          <a:blip r:embed="rId5">
             <a:extLst>
               <a:ext uri="{28A0092B-C50C-407E-A947-70E740481C1C}">
                 <a14:useLocalDpi xmlns:a14="http://schemas.microsoft.com/office/drawing/2010/main" val="0"/>
@@ -12512,6 +12476,36 @@
           </a:p>
         </p:txBody>
       </p:sp>
+      <p:pic>
+        <p:nvPicPr>
+          <p:cNvPr id="3" name="图片 2">
+            <a:extLst>
+              <a:ext uri="{FF2B5EF4-FFF2-40B4-BE49-F238E27FC236}">
+                <a16:creationId xmlns:a16="http://schemas.microsoft.com/office/drawing/2014/main" id="{76AB88B9-E6E3-39A8-F311-F2EA7DCE1979}"/>
+              </a:ext>
+            </a:extLst>
+          </p:cNvPr>
+          <p:cNvPicPr>
+            <a:picLocks noChangeAspect="1"/>
+          </p:cNvPicPr>
+          <p:nvPr/>
+        </p:nvPicPr>
+        <p:blipFill>
+          <a:blip r:embed="rId6"/>
+          <a:stretch>
+            <a:fillRect/>
+          </a:stretch>
+        </p:blipFill>
+        <p:spPr>
+          <a:xfrm>
+            <a:off x="45396" y="1833165"/>
+            <a:ext cx="12192000" cy="464571"/>
+          </a:xfrm>
+          <a:prstGeom prst="rect">
+            <a:avLst/>
+          </a:prstGeom>
+        </p:spPr>
+      </p:pic>
     </p:spTree>
     <p:extLst>
       <p:ext uri="{BB962C8B-B14F-4D97-AF65-F5344CB8AC3E}">
@@ -19342,7 +19336,7 @@
             <a:spAutoFit/>
             <a:extLst>
               <a:ext uri="{4A0BC546-FE56-4ADE-93B0-CB8AF2F6F144}">
-                <wpsdc:textFrameExt xmlns:wpsdc="http://www.wps.cn/officeDocument/2022/drawingmlCustomData" xmlns="" type="sub-title"/>
+                <wpsdc:textFrameExt xmlns="" xmlns:wpsdc="http://www.wps.cn/officeDocument/2022/drawingmlCustomData" type="sub-title"/>
               </a:ext>
             </a:extLst>
           </a:bodyPr>
@@ -19379,7 +19373,7 @@
             <a:spAutoFit/>
             <a:extLst>
               <a:ext uri="{4A0BC546-FE56-4ADE-93B0-CB8AF2F6F144}">
-                <wpsdc:textFrameExt xmlns:wpsdc="http://www.wps.cn/officeDocument/2022/drawingmlCustomData" xmlns="" type="sub-title"/>
+                <wpsdc:textFrameExt xmlns="" xmlns:wpsdc="http://www.wps.cn/officeDocument/2022/drawingmlCustomData" type="sub-title"/>
               </a:ext>
             </a:extLst>
           </a:bodyPr>
@@ -19416,7 +19410,7 @@
             <a:spAutoFit/>
             <a:extLst>
               <a:ext uri="{4A0BC546-FE56-4ADE-93B0-CB8AF2F6F144}">
-                <wpsdc:textFrameExt xmlns:wpsdc="http://www.wps.cn/officeDocument/2022/drawingmlCustomData" xmlns="" type="sub-title"/>
+                <wpsdc:textFrameExt xmlns="" xmlns:wpsdc="http://www.wps.cn/officeDocument/2022/drawingmlCustomData" type="sub-title"/>
               </a:ext>
             </a:extLst>
           </a:bodyPr>
@@ -24395,7 +24389,7 @@
             </a:r>
             <a:r>
               <a:rPr lang="zh-CN" altLang="en-US" dirty="0"/>
-              <a:t>进行分布式训练的基础，任务的分配</a:t>
+              <a:t>进行分布式训练的基础，任务的分配。</a:t>
             </a:r>
           </a:p>
         </p:txBody>
@@ -24444,7 +24438,7 @@
         </p:nvSpPr>
         <p:spPr>
           <a:xfrm>
-            <a:off x="1081085" y="3313498"/>
+            <a:off x="1089817" y="3429000"/>
             <a:ext cx="3176590" cy="1200329"/>
           </a:xfrm>
           <a:prstGeom prst="rect">
@@ -24472,7 +24466,7 @@
             </a:r>
             <a:r>
               <a:rPr lang="zh-CN" altLang="en-US" dirty="0"/>
-              <a:t>应用的开发和部署</a:t>
+              <a:t>应用的开发和部署。</a:t>
             </a:r>
           </a:p>
         </p:txBody>
@@ -24491,7 +24485,7 @@
         </p:nvSpPr>
         <p:spPr>
           <a:xfrm>
-            <a:off x="1164431" y="4879181"/>
+            <a:off x="1081085" y="4880322"/>
             <a:ext cx="5214938" cy="923330"/>
           </a:xfrm>
           <a:prstGeom prst="rect">
@@ -24547,7 +24541,7 @@
             </a:r>
             <a:r>
               <a:rPr lang="zh-CN" altLang="en-US" dirty="0"/>
-              <a:t>为模型的分布式</a:t>
+              <a:t>为模型的分布式训练。</a:t>
             </a:r>
           </a:p>
         </p:txBody>
@@ -26833,15 +26827,6 @@
 </file>
 
 <file path=customXml/item1.xml><?xml version="1.0" encoding="utf-8"?>
-<?mso-contentType ?>
-<FormTemplates xmlns="http://schemas.microsoft.com/sharepoint/v3/contenttype/forms">
-  <Display>DocumentLibraryForm</Display>
-  <Edit>DocumentLibraryForm</Edit>
-  <New>DocumentLibraryForm</New>
-</FormTemplates>
-</file>
-
-<file path=customXml/item2.xml><?xml version="1.0" encoding="utf-8"?>
 <p:properties xmlns:p="http://schemas.microsoft.com/office/2006/metadata/properties" xmlns:xsi="http://www.w3.org/2001/XMLSchema-instance" xmlns:pc="http://schemas.microsoft.com/office/infopath/2007/PartnerControls">
   <documentManagement>
     <TaxCatchAll xmlns="97934b4b-eba6-486d-bfc1-4b8e3fe39092" xsi:nil="true"/>
@@ -26853,6 +26838,15 @@
     <_ip_UnifiedCompliancePolicyProperties xmlns="http://schemas.microsoft.com/sharepoint/v3" xsi:nil="true"/>
   </documentManagement>
 </p:properties>
+</file>
+
+<file path=customXml/item2.xml><?xml version="1.0" encoding="utf-8"?>
+<?mso-contentType ?>
+<FormTemplates xmlns="http://schemas.microsoft.com/sharepoint/v3/contenttype/forms">
+  <Display>DocumentLibraryForm</Display>
+  <Edit>DocumentLibraryForm</Edit>
+  <New>DocumentLibraryForm</New>
+</FormTemplates>
 </file>
 
 <file path=customXml/item3.xml><?xml version="1.0" encoding="utf-8"?>
@@ -27112,14 +27106,6 @@
 </file>
 
 <file path=customXml/itemProps1.xml><?xml version="1.0" encoding="utf-8"?>
-<ds:datastoreItem xmlns:ds="http://schemas.openxmlformats.org/officeDocument/2006/customXml" ds:itemID="{F5467BB9-3D7B-4457-AA5B-CE31D9D7CAD8}">
-  <ds:schemaRefs>
-    <ds:schemaRef ds:uri="http://schemas.microsoft.com/sharepoint/v3/contenttype/forms"/>
-  </ds:schemaRefs>
-</ds:datastoreItem>
-</file>
-
-<file path=customXml/itemProps2.xml><?xml version="1.0" encoding="utf-8"?>
 <ds:datastoreItem xmlns:ds="http://schemas.openxmlformats.org/officeDocument/2006/customXml" ds:itemID="{E282ED70-2812-4AEA-B3D1-B9B7204CDC18}">
   <ds:schemaRefs>
     <ds:schemaRef ds:uri="http://schemas.microsoft.com/office/2006/metadata/properties"/>
@@ -27127,6 +27113,14 @@
     <ds:schemaRef ds:uri="97934b4b-eba6-486d-bfc1-4b8e3fe39092"/>
     <ds:schemaRef ds:uri="0a5c0dea-e5d7-4228-9256-3793bb42faa5"/>
     <ds:schemaRef ds:uri="http://schemas.microsoft.com/sharepoint/v3"/>
+  </ds:schemaRefs>
+</ds:datastoreItem>
+</file>
+
+<file path=customXml/itemProps2.xml><?xml version="1.0" encoding="utf-8"?>
+<ds:datastoreItem xmlns:ds="http://schemas.openxmlformats.org/officeDocument/2006/customXml" ds:itemID="{F5467BB9-3D7B-4457-AA5B-CE31D9D7CAD8}">
+  <ds:schemaRefs>
+    <ds:schemaRef ds:uri="http://schemas.microsoft.com/sharepoint/v3/contenttype/forms"/>
   </ds:schemaRefs>
 </ds:datastoreItem>
 </file>
